--- a/food-truckppt.pptx
+++ b/food-truckppt.pptx
@@ -46,28 +46,28 @@
       <p:italic r:id="rId32"/>
     </p:embeddedFont>
     <p:embeddedFont>
-      <p:font typeface="나눔손글씨 펜" panose="020B0600000101010101" charset="-127"/>
+      <p:font typeface="HY중고딕" panose="02030600000101010101" pitchFamily="18" charset="-127"/>
       <p:regular r:id="rId33"/>
     </p:embeddedFont>
     <p:embeddedFont>
-      <p:font typeface="HY중고딕" panose="02030600000101010101" pitchFamily="18" charset="-127"/>
+      <p:font typeface="10X10" panose="020B0600000101010101" charset="-127"/>
       <p:regular r:id="rId34"/>
     </p:embeddedFont>
     <p:embeddedFont>
+      <p:font typeface="10X10 Bold" panose="020B0600000101010101" charset="-127"/>
+      <p:regular r:id="rId35"/>
+    </p:embeddedFont>
+    <p:embeddedFont>
       <p:font typeface="맑은 고딕" panose="020B0503020000020004" pitchFamily="50" charset="-127"/>
-      <p:regular r:id="rId35"/>
-      <p:bold r:id="rId36"/>
+      <p:regular r:id="rId36"/>
+      <p:bold r:id="rId37"/>
     </p:embeddedFont>
     <p:embeddedFont>
       <p:font typeface="HY헤드라인M" panose="02030600000101010101" pitchFamily="18" charset="-127"/>
-      <p:regular r:id="rId37"/>
-    </p:embeddedFont>
-    <p:embeddedFont>
-      <p:font typeface="10X10 Bold" panose="020B0600000101010101" charset="-127"/>
       <p:regular r:id="rId38"/>
     </p:embeddedFont>
     <p:embeddedFont>
-      <p:font typeface="10X10" panose="020B0600000101010101" charset="-127"/>
+      <p:font typeface="나눔손글씨 펜" panose="020B0600000101010101" charset="-127"/>
       <p:regular r:id="rId39"/>
     </p:embeddedFont>
   </p:embeddedFontLst>
@@ -1785,31 +1785,8 @@
       <dgm:spPr/>
     </dgm:pt>
     <dgm:pt modelId="{DBAE5B38-FBE9-4644-B425-E8A54D2A76EB}" type="pres">
-      <dgm:prSet presAssocID="{38777AA7-0D00-4915-B6F8-D29D86E23EF0}" presName="visible" presStyleLbl="node1" presStyleIdx="0" presStyleCnt="4" custScaleX="81248" custScaleY="75791" custLinFactNeighborX="-17658" custLinFactNeighborY="217"/>
-      <dgm:spPr>
-        <a:blipFill>
-          <a:blip xmlns:r="http://schemas.openxmlformats.org/officeDocument/2006/relationships" r:embed="rId1">
-            <a:extLst>
-              <a:ext uri="{BEBA8EAE-BF5A-486C-A8C5-ECC9F3942E4B}">
-                <a14:imgProps xmlns:a14="http://schemas.microsoft.com/office/drawing/2010/main">
-                  <a14:imgLayer r:embed="rId2">
-                    <a14:imgEffect>
-                      <a14:brightnessContrast bright="20000"/>
-                    </a14:imgEffect>
-                  </a14:imgLayer>
-                </a14:imgProps>
-              </a:ext>
-              <a:ext uri="{28A0092B-C50C-407E-A947-70E740481C1C}">
-                <a14:useLocalDpi xmlns:a14="http://schemas.microsoft.com/office/drawing/2010/main" val="0"/>
-              </a:ext>
-            </a:extLst>
-          </a:blip>
-          <a:srcRect/>
-          <a:stretch>
-            <a:fillRect/>
-          </a:stretch>
-        </a:blipFill>
-      </dgm:spPr>
+      <dgm:prSet presAssocID="{38777AA7-0D00-4915-B6F8-D29D86E23EF0}" presName="visible" presStyleLbl="node1" presStyleIdx="0" presStyleCnt="4" custScaleX="104048" custScaleY="107460" custLinFactNeighborX="-18255" custLinFactNeighborY="-4372"/>
+      <dgm:spPr/>
     </dgm:pt>
     <dgm:pt modelId="{063C2D0B-6EF8-4264-B000-AAED2CFE5A71}" type="pres">
       <dgm:prSet presAssocID="{A08AB0A8-FDBD-4AF5-9B5A-0ED53E2CB476}" presName="Name25" presStyleLbl="parChTrans1D1" presStyleIdx="0" presStyleCnt="3"/>
@@ -1952,7 +1929,7 @@
       </dsp:nvSpPr>
       <dsp:spPr>
         <a:xfrm rot="2279899">
-          <a:off x="3187058" y="3447487"/>
+          <a:off x="3323317" y="3447487"/>
           <a:ext cx="1077800" cy="45615"/>
         </a:xfrm>
         <a:custGeom>
@@ -2012,7 +1989,7 @@
       </dsp:nvSpPr>
       <dsp:spPr>
         <a:xfrm>
-          <a:off x="3301289" y="2462076"/>
+          <a:off x="3437548" y="2462076"/>
           <a:ext cx="756700" cy="45615"/>
         </a:xfrm>
         <a:custGeom>
@@ -2072,7 +2049,7 @@
       </dsp:nvSpPr>
       <dsp:spPr>
         <a:xfrm rot="19036446">
-          <a:off x="3201989" y="1435445"/>
+          <a:off x="3338248" y="1435445"/>
           <a:ext cx="748327" cy="45615"/>
         </a:xfrm>
         <a:custGeom>
@@ -2132,34 +2109,50 @@
       </dsp:nvSpPr>
       <dsp:spPr>
         <a:xfrm>
-          <a:off x="1071379" y="1584178"/>
-          <a:ext cx="1942236" cy="1811786"/>
+          <a:off x="920849" y="1095953"/>
+          <a:ext cx="2487271" cy="2568835"/>
         </a:xfrm>
         <a:prstGeom prst="ellipse">
           <a:avLst/>
         </a:prstGeom>
-        <a:blipFill>
-          <a:blip xmlns:r="http://schemas.openxmlformats.org/officeDocument/2006/relationships" r:embed="rId1">
-            <a:extLst>
-              <a:ext uri="{BEBA8EAE-BF5A-486C-A8C5-ECC9F3942E4B}">
-                <a14:imgProps xmlns:a14="http://schemas.microsoft.com/office/drawing/2010/main">
-                  <a14:imgLayer r:embed="rId2">
-                    <a14:imgEffect>
-                      <a14:brightnessContrast bright="20000"/>
-                    </a14:imgEffect>
-                  </a14:imgLayer>
-                </a14:imgProps>
-              </a:ext>
-              <a:ext uri="{28A0092B-C50C-407E-A947-70E740481C1C}">
-                <a14:useLocalDpi xmlns:a14="http://schemas.microsoft.com/office/drawing/2010/main" val="0"/>
-              </a:ext>
-            </a:extLst>
-          </a:blip>
-          <a:srcRect/>
-          <a:stretch>
-            <a:fillRect/>
-          </a:stretch>
-        </a:blipFill>
+        <a:gradFill rotWithShape="0">
+          <a:gsLst>
+            <a:gs pos="0">
+              <a:schemeClr val="accent6">
+                <a:shade val="80000"/>
+                <a:hueOff val="0"/>
+                <a:satOff val="0"/>
+                <a:lumOff val="0"/>
+                <a:alphaOff val="0"/>
+                <a:shade val="51000"/>
+                <a:satMod val="130000"/>
+              </a:schemeClr>
+            </a:gs>
+            <a:gs pos="80000">
+              <a:schemeClr val="accent6">
+                <a:shade val="80000"/>
+                <a:hueOff val="0"/>
+                <a:satOff val="0"/>
+                <a:lumOff val="0"/>
+                <a:alphaOff val="0"/>
+                <a:shade val="93000"/>
+                <a:satMod val="130000"/>
+              </a:schemeClr>
+            </a:gs>
+            <a:gs pos="100000">
+              <a:schemeClr val="accent6">
+                <a:shade val="80000"/>
+                <a:hueOff val="0"/>
+                <a:satOff val="0"/>
+                <a:lumOff val="0"/>
+                <a:alphaOff val="0"/>
+                <a:shade val="94000"/>
+                <a:satMod val="135000"/>
+              </a:schemeClr>
+            </a:gs>
+          </a:gsLst>
+          <a:lin ang="16200000" scaled="0"/>
+        </a:gradFill>
         <a:ln>
           <a:noFill/>
         </a:ln>
@@ -2201,7 +2194,7 @@
       </dsp:nvSpPr>
       <dsp:spPr>
         <a:xfrm>
-          <a:off x="3660691" y="653"/>
+          <a:off x="3796949" y="653"/>
           <a:ext cx="1434302" cy="1434302"/>
         </a:xfrm>
         <a:prstGeom prst="ellipse">
@@ -2306,7 +2299,7 @@
         </a:p>
       </dsp:txBody>
       <dsp:txXfrm>
-        <a:off x="3870740" y="210702"/>
+        <a:off x="4006998" y="210702"/>
         <a:ext cx="1014204" cy="1014204"/>
       </dsp:txXfrm>
     </dsp:sp>
@@ -2317,7 +2310,7 @@
       </dsp:nvSpPr>
       <dsp:spPr>
         <a:xfrm>
-          <a:off x="5238423" y="653"/>
+          <a:off x="5374682" y="653"/>
           <a:ext cx="2151453" cy="1434302"/>
         </a:xfrm>
         <a:prstGeom prst="rect">
@@ -2400,7 +2393,7 @@
         </a:p>
       </dsp:txBody>
       <dsp:txXfrm>
-        <a:off x="5238423" y="653"/>
+        <a:off x="5374682" y="653"/>
         <a:ext cx="2151453" cy="1434302"/>
       </dsp:txXfrm>
     </dsp:sp>
@@ -2411,7 +2404,7 @@
       </dsp:nvSpPr>
       <dsp:spPr>
         <a:xfrm>
-          <a:off x="4057990" y="1767732"/>
+          <a:off x="4194248" y="1767732"/>
           <a:ext cx="1556203" cy="1434302"/>
         </a:xfrm>
         <a:prstGeom prst="ellipse">
@@ -2516,7 +2509,7 @@
         </a:p>
       </dsp:txBody>
       <dsp:txXfrm>
-        <a:off x="4285891" y="1977781"/>
+        <a:off x="4422149" y="1977781"/>
         <a:ext cx="1100401" cy="1014204"/>
       </dsp:txXfrm>
     </dsp:sp>
@@ -2527,7 +2520,7 @@
       </dsp:nvSpPr>
       <dsp:spPr>
         <a:xfrm>
-          <a:off x="5605247" y="1767732"/>
+          <a:off x="5741506" y="1767732"/>
           <a:ext cx="2334305" cy="1434302"/>
         </a:xfrm>
         <a:prstGeom prst="rect">
@@ -2835,7 +2828,7 @@
         </a:p>
       </dsp:txBody>
       <dsp:txXfrm>
-        <a:off x="5605247" y="1767732"/>
+        <a:off x="5741506" y="1767732"/>
         <a:ext cx="2334305" cy="1434302"/>
       </dsp:txXfrm>
     </dsp:sp>
@@ -2846,7 +2839,7 @@
       </dsp:nvSpPr>
       <dsp:spPr>
         <a:xfrm>
-          <a:off x="3986069" y="3535465"/>
+          <a:off x="4122328" y="3535465"/>
           <a:ext cx="1482552" cy="1434302"/>
         </a:xfrm>
         <a:prstGeom prst="ellipse">
@@ -2951,7 +2944,7 @@
         </a:p>
       </dsp:txBody>
       <dsp:txXfrm>
-        <a:off x="4203184" y="3745514"/>
+        <a:off x="4339443" y="3745514"/>
         <a:ext cx="1048322" cy="1014204"/>
       </dsp:txXfrm>
     </dsp:sp>
@@ -2962,7 +2955,7 @@
       </dsp:nvSpPr>
       <dsp:spPr>
         <a:xfrm>
-          <a:off x="5551739" y="3535465"/>
+          <a:off x="5687998" y="3535465"/>
           <a:ext cx="2223828" cy="1434302"/>
         </a:xfrm>
         <a:prstGeom prst="rect">
@@ -3040,7 +3033,7 @@
         </a:p>
       </dsp:txBody>
       <dsp:txXfrm>
-        <a:off x="5551739" y="3535465"/>
+        <a:off x="5687998" y="3535465"/>
         <a:ext cx="2223828" cy="1434302"/>
       </dsp:txXfrm>
     </dsp:sp>
@@ -4593,7 +4586,7 @@
             <a:fld id="{3D512ED3-7CD6-48FB-AA91-A75ED5F159F2}" type="datetimeFigureOut">
               <a:rPr lang="ko-KR" altLang="en-US" smtClean="0"/>
               <a:pPr/>
-              <a:t>2017-11-10</a:t>
+              <a:t>2017-11-15</a:t>
             </a:fld>
             <a:endParaRPr lang="ko-KR" altLang="en-US"/>
           </a:p>
@@ -4927,7 +4920,7 @@
             <a:fld id="{4CAB7F98-ACBA-41EE-A1EB-E74C3C5FF1EC}" type="slidenum">
               <a:rPr lang="ko-KR" altLang="en-US" smtClean="0"/>
               <a:pPr/>
-              <a:t>4</a:t>
+              <a:t>3</a:t>
             </a:fld>
             <a:endParaRPr lang="ko-KR" altLang="en-US"/>
           </a:p>
@@ -4936,7 +4929,7 @@
     </p:spTree>
     <p:extLst>
       <p:ext uri="{BB962C8B-B14F-4D97-AF65-F5344CB8AC3E}">
-        <p14:creationId xmlns:p14="http://schemas.microsoft.com/office/powerpoint/2010/main" val="2277127552"/>
+        <p14:creationId xmlns:p14="http://schemas.microsoft.com/office/powerpoint/2010/main" val="953709642"/>
       </p:ext>
     </p:extLst>
   </p:cSld>
@@ -4990,6 +4983,325 @@
           <a:bodyPr/>
           <a:lstStyle/>
           <a:p>
+            <a:pPr marL="0" marR="0" lvl="0" indent="0" algn="l" defTabSz="914400" rtl="0" eaLnBrk="1" fontAlgn="auto" latinLnBrk="1" hangingPunct="1">
+              <a:lnSpc>
+                <a:spcPct val="100000"/>
+              </a:lnSpc>
+              <a:spcBef>
+                <a:spcPts val="0"/>
+              </a:spcBef>
+              <a:spcAft>
+                <a:spcPts val="0"/>
+              </a:spcAft>
+              <a:buClrTx/>
+              <a:buSzTx/>
+              <a:buFontTx/>
+              <a:buNone/>
+              <a:tabLst/>
+              <a:defRPr/>
+            </a:pPr>
+            <a:r>
+              <a:rPr lang="ko-KR" altLang="en-US" dirty="0"/>
+              <a:t>구글 </a:t>
+            </a:r>
+            <a:r>
+              <a:rPr lang="en-US" altLang="ko-KR" dirty="0" err="1"/>
+              <a:t>api</a:t>
+            </a:r>
+            <a:r>
+              <a:rPr lang="ko-KR" altLang="en-US" dirty="0" err="1"/>
+              <a:t>를</a:t>
+            </a:r>
+            <a:r>
+              <a:rPr lang="ko-KR" altLang="en-US" dirty="0"/>
+              <a:t> 이용한 </a:t>
+            </a:r>
+            <a:r>
+              <a:rPr lang="ko-KR" altLang="en-US" dirty="0" err="1"/>
+              <a:t>푸드트럭</a:t>
+            </a:r>
+            <a:r>
+              <a:rPr lang="ko-KR" altLang="en-US" dirty="0"/>
+              <a:t> 위치와</a:t>
+            </a:r>
+            <a:r>
+              <a:rPr lang="en-US" altLang="ko-KR" dirty="0"/>
+              <a:t> </a:t>
+            </a:r>
+            <a:r>
+              <a:rPr lang="ko-KR" altLang="en-US" dirty="0"/>
+              <a:t>정보 제공을 목적으로 한 웹 프로젝트입니다</a:t>
+            </a:r>
+            <a:r>
+              <a:rPr lang="en-US" altLang="ko-KR" dirty="0"/>
+              <a:t>.</a:t>
+            </a:r>
+          </a:p>
+          <a:p>
+            <a:pPr marL="0" marR="0" lvl="0" indent="0" algn="l" defTabSz="914400" rtl="0" eaLnBrk="1" fontAlgn="auto" latinLnBrk="1" hangingPunct="1">
+              <a:lnSpc>
+                <a:spcPct val="100000"/>
+              </a:lnSpc>
+              <a:spcBef>
+                <a:spcPts val="0"/>
+              </a:spcBef>
+              <a:spcAft>
+                <a:spcPts val="0"/>
+              </a:spcAft>
+              <a:buClrTx/>
+              <a:buSzTx/>
+              <a:buFontTx/>
+              <a:buNone/>
+              <a:tabLst/>
+              <a:defRPr/>
+            </a:pPr>
+            <a:r>
+              <a:rPr lang="ko-KR" altLang="en-US" dirty="0"/>
+              <a:t>일반 사용자는 지도를 통해서 </a:t>
+            </a:r>
+            <a:r>
+              <a:rPr lang="ko-KR" altLang="en-US" dirty="0" err="1"/>
+              <a:t>마커된</a:t>
+            </a:r>
+            <a:r>
+              <a:rPr lang="ko-KR" altLang="en-US" dirty="0"/>
+              <a:t> 여러 개의 트럭을 볼 수 있고</a:t>
+            </a:r>
+            <a:r>
+              <a:rPr lang="en-US" altLang="ko-KR" dirty="0"/>
+              <a:t>, </a:t>
+            </a:r>
+            <a:r>
+              <a:rPr lang="ko-KR" altLang="en-US" dirty="0"/>
+              <a:t>트럭 상세보기를 통해서 평점</a:t>
+            </a:r>
+            <a:r>
+              <a:rPr lang="en-US" altLang="ko-KR" dirty="0"/>
+              <a:t>, </a:t>
+            </a:r>
+            <a:r>
+              <a:rPr lang="ko-KR" altLang="en-US" dirty="0"/>
+              <a:t>음식정보</a:t>
+            </a:r>
+            <a:r>
+              <a:rPr lang="en-US" altLang="ko-KR" dirty="0"/>
+              <a:t>, </a:t>
+            </a:r>
+            <a:r>
+              <a:rPr lang="ko-KR" altLang="en-US" dirty="0"/>
+              <a:t>리뷰를 볼 수 있습니다</a:t>
+            </a:r>
+            <a:r>
+              <a:rPr lang="en-US" altLang="ko-KR" dirty="0"/>
+              <a:t>.</a:t>
+            </a:r>
+          </a:p>
+          <a:p>
+            <a:pPr marL="0" marR="0" lvl="0" indent="0" algn="l" defTabSz="914400" rtl="0" eaLnBrk="1" fontAlgn="auto" latinLnBrk="1" hangingPunct="1">
+              <a:lnSpc>
+                <a:spcPct val="100000"/>
+              </a:lnSpc>
+              <a:spcBef>
+                <a:spcPts val="0"/>
+              </a:spcBef>
+              <a:spcAft>
+                <a:spcPts val="0"/>
+              </a:spcAft>
+              <a:buClrTx/>
+              <a:buSzTx/>
+              <a:buFontTx/>
+              <a:buNone/>
+              <a:tabLst/>
+              <a:defRPr/>
+            </a:pPr>
+            <a:r>
+              <a:rPr lang="ko-KR" altLang="en-US" dirty="0"/>
+              <a:t>가입한 사용자는 특정 트럭을 </a:t>
+            </a:r>
+            <a:r>
+              <a:rPr lang="ko-KR" altLang="en-US" dirty="0" err="1"/>
+              <a:t>즐겨찾기로</a:t>
+            </a:r>
+            <a:r>
+              <a:rPr lang="ko-KR" altLang="en-US" dirty="0"/>
+              <a:t> 등록</a:t>
+            </a:r>
+            <a:r>
+              <a:rPr lang="en-US" altLang="ko-KR" dirty="0"/>
+              <a:t>, </a:t>
+            </a:r>
+            <a:r>
+              <a:rPr lang="ko-KR" altLang="en-US" dirty="0"/>
+              <a:t>리뷰를 올릴 수 있습니다</a:t>
+            </a:r>
+            <a:r>
+              <a:rPr lang="en-US" altLang="ko-KR" dirty="0"/>
+              <a:t>.</a:t>
+            </a:r>
+          </a:p>
+          <a:p>
+            <a:pPr marL="0" marR="0" lvl="0" indent="0" algn="l" defTabSz="914400" rtl="0" eaLnBrk="1" fontAlgn="auto" latinLnBrk="1" hangingPunct="1">
+              <a:lnSpc>
+                <a:spcPct val="100000"/>
+              </a:lnSpc>
+              <a:spcBef>
+                <a:spcPts val="0"/>
+              </a:spcBef>
+              <a:spcAft>
+                <a:spcPts val="0"/>
+              </a:spcAft>
+              <a:buClrTx/>
+              <a:buSzTx/>
+              <a:buFontTx/>
+              <a:buNone/>
+              <a:tabLst/>
+              <a:defRPr/>
+            </a:pPr>
+            <a:r>
+              <a:rPr lang="ko-KR" altLang="en-US" dirty="0"/>
+              <a:t>사업자는 트럭을 등록하고</a:t>
+            </a:r>
+            <a:r>
+              <a:rPr lang="en-US" altLang="ko-KR" dirty="0"/>
+              <a:t>, </a:t>
+            </a:r>
+            <a:r>
+              <a:rPr lang="ko-KR" altLang="en-US" dirty="0"/>
+              <a:t>음식정보를 등록할 수 있습니다</a:t>
+            </a:r>
+            <a:r>
+              <a:rPr lang="en-US" altLang="ko-KR" dirty="0"/>
+              <a:t>. </a:t>
+            </a:r>
+            <a:r>
+              <a:rPr lang="ko-KR" altLang="en-US" dirty="0" err="1"/>
+              <a:t>푸드트럭의</a:t>
+            </a:r>
+            <a:r>
+              <a:rPr lang="ko-KR" altLang="en-US" dirty="0"/>
+              <a:t> 특성상 위치가 매번 달라질 수 있다는 점을 고려해서 트럭 수정을 통한 위치 수정을 할 수 있습니다</a:t>
+            </a:r>
+            <a:r>
+              <a:rPr lang="en-US" altLang="ko-KR" dirty="0"/>
+              <a:t>. </a:t>
+            </a:r>
+          </a:p>
+          <a:p>
+            <a:pPr marL="0" marR="0" lvl="0" indent="0" algn="l" defTabSz="914400" rtl="0" eaLnBrk="1" fontAlgn="auto" latinLnBrk="1" hangingPunct="1">
+              <a:lnSpc>
+                <a:spcPct val="100000"/>
+              </a:lnSpc>
+              <a:spcBef>
+                <a:spcPts val="0"/>
+              </a:spcBef>
+              <a:spcAft>
+                <a:spcPts val="0"/>
+              </a:spcAft>
+              <a:buClrTx/>
+              <a:buSzTx/>
+              <a:buFontTx/>
+              <a:buNone/>
+              <a:tabLst/>
+              <a:defRPr/>
+            </a:pPr>
+            <a:endParaRPr lang="en-US" altLang="ko-KR" dirty="0"/>
+          </a:p>
+          <a:p>
+            <a:pPr marL="0" marR="0" lvl="0" indent="0" algn="l" defTabSz="914400" rtl="0" eaLnBrk="1" fontAlgn="auto" latinLnBrk="1" hangingPunct="1">
+              <a:lnSpc>
+                <a:spcPct val="100000"/>
+              </a:lnSpc>
+              <a:spcBef>
+                <a:spcPts val="0"/>
+              </a:spcBef>
+              <a:spcAft>
+                <a:spcPts val="0"/>
+              </a:spcAft>
+              <a:buClrTx/>
+              <a:buSzTx/>
+              <a:buFontTx/>
+              <a:buNone/>
+              <a:tabLst/>
+              <a:defRPr/>
+            </a:pPr>
+            <a:r>
+              <a:rPr lang="ko-KR" altLang="en-US" dirty="0"/>
+              <a:t>목표로는 사업자는 특정 영업장소가 지정되어 있지 않기 때문에 웹에 위치등록을 함으로써</a:t>
+            </a:r>
+            <a:r>
+              <a:rPr lang="en-US" altLang="ko-KR" dirty="0"/>
+              <a:t>, </a:t>
+            </a:r>
+            <a:r>
+              <a:rPr lang="ko-KR" altLang="en-US" dirty="0"/>
+              <a:t>보다 많은 소비자를 확보할 수 있고</a:t>
+            </a:r>
+            <a:r>
+              <a:rPr lang="en-US" altLang="ko-KR" dirty="0"/>
+              <a:t>, </a:t>
+            </a:r>
+          </a:p>
+          <a:p>
+            <a:pPr marL="0" marR="0" lvl="0" indent="0" algn="l" defTabSz="914400" rtl="0" eaLnBrk="1" fontAlgn="auto" latinLnBrk="1" hangingPunct="1">
+              <a:lnSpc>
+                <a:spcPct val="100000"/>
+              </a:lnSpc>
+              <a:spcBef>
+                <a:spcPts val="0"/>
+              </a:spcBef>
+              <a:spcAft>
+                <a:spcPts val="0"/>
+              </a:spcAft>
+              <a:buClrTx/>
+              <a:buSzTx/>
+              <a:buFontTx/>
+              <a:buNone/>
+              <a:tabLst/>
+              <a:defRPr/>
+            </a:pPr>
+            <a:r>
+              <a:rPr lang="ko-KR" altLang="en-US" dirty="0"/>
+              <a:t>일반 사용자는 자신의 위치를 기반으로 주변에 어떤 </a:t>
+            </a:r>
+            <a:r>
+              <a:rPr lang="ko-KR" altLang="en-US" dirty="0" err="1"/>
+              <a:t>푸드트럭이</a:t>
+            </a:r>
+            <a:r>
+              <a:rPr lang="ko-KR" altLang="en-US" dirty="0"/>
+              <a:t> 있는지 확인하고</a:t>
+            </a:r>
+            <a:r>
+              <a:rPr lang="en-US" altLang="ko-KR" dirty="0"/>
+              <a:t>, </a:t>
+            </a:r>
+            <a:r>
+              <a:rPr lang="ko-KR" altLang="en-US" dirty="0"/>
+              <a:t>이용할 수 있다는 이점이 있습니다</a:t>
+            </a:r>
+            <a:r>
+              <a:rPr lang="en-US" altLang="ko-KR" dirty="0"/>
+              <a:t>. </a:t>
+            </a:r>
+          </a:p>
+          <a:p>
+            <a:pPr marL="0" marR="0" lvl="0" indent="0" algn="l" defTabSz="914400" rtl="0" eaLnBrk="1" fontAlgn="auto" latinLnBrk="1" hangingPunct="1">
+              <a:lnSpc>
+                <a:spcPct val="100000"/>
+              </a:lnSpc>
+              <a:spcBef>
+                <a:spcPts val="0"/>
+              </a:spcBef>
+              <a:spcAft>
+                <a:spcPts val="0"/>
+              </a:spcAft>
+              <a:buClrTx/>
+              <a:buSzTx/>
+              <a:buFontTx/>
+              <a:buNone/>
+              <a:tabLst/>
+              <a:defRPr/>
+            </a:pPr>
             <a:endParaRPr lang="ko-KR" altLang="en-US" dirty="0"/>
           </a:p>
         </p:txBody>
@@ -5012,6 +5324,91 @@
             <a:fld id="{4CAB7F98-ACBA-41EE-A1EB-E74C3C5FF1EC}" type="slidenum">
               <a:rPr lang="ko-KR" altLang="en-US" smtClean="0"/>
               <a:pPr/>
+              <a:t>4</a:t>
+            </a:fld>
+            <a:endParaRPr lang="ko-KR" altLang="en-US"/>
+          </a:p>
+        </p:txBody>
+      </p:sp>
+    </p:spTree>
+    <p:extLst>
+      <p:ext uri="{BB962C8B-B14F-4D97-AF65-F5344CB8AC3E}">
+        <p14:creationId xmlns:p14="http://schemas.microsoft.com/office/powerpoint/2010/main" val="2277127552"/>
+      </p:ext>
+    </p:extLst>
+  </p:cSld>
+  <p:clrMapOvr>
+    <a:masterClrMapping/>
+  </p:clrMapOvr>
+</p:notes>
+</file>
+
+<file path=ppt/notesSlides/notesSlide3.xml><?xml version="1.0" encoding="utf-8"?>
+<p:notes xmlns:a="http://schemas.openxmlformats.org/drawingml/2006/main" xmlns:r="http://schemas.openxmlformats.org/officeDocument/2006/relationships" xmlns:p="http://schemas.openxmlformats.org/presentationml/2006/main">
+  <p:cSld>
+    <p:spTree>
+      <p:nvGrpSpPr>
+        <p:cNvPr id="1" name=""/>
+        <p:cNvGrpSpPr/>
+        <p:nvPr/>
+      </p:nvGrpSpPr>
+      <p:grpSpPr>
+        <a:xfrm>
+          <a:off x="0" y="0"/>
+          <a:ext cx="0" cy="0"/>
+          <a:chOff x="0" y="0"/>
+          <a:chExt cx="0" cy="0"/>
+        </a:xfrm>
+      </p:grpSpPr>
+      <p:sp>
+        <p:nvSpPr>
+          <p:cNvPr id="2" name="슬라이드 이미지 개체 틀 1"/>
+          <p:cNvSpPr>
+            <a:spLocks noGrp="1" noRot="1" noChangeAspect="1"/>
+          </p:cNvSpPr>
+          <p:nvPr>
+            <p:ph type="sldImg"/>
+          </p:nvPr>
+        </p:nvSpPr>
+        <p:spPr/>
+      </p:sp>
+      <p:sp>
+        <p:nvSpPr>
+          <p:cNvPr id="3" name="슬라이드 노트 개체 틀 2"/>
+          <p:cNvSpPr>
+            <a:spLocks noGrp="1"/>
+          </p:cNvSpPr>
+          <p:nvPr>
+            <p:ph type="body" idx="1"/>
+          </p:nvPr>
+        </p:nvSpPr>
+        <p:spPr/>
+        <p:txBody>
+          <a:bodyPr/>
+          <a:lstStyle/>
+          <a:p>
+            <a:endParaRPr lang="ko-KR" altLang="en-US" dirty="0"/>
+          </a:p>
+        </p:txBody>
+      </p:sp>
+      <p:sp>
+        <p:nvSpPr>
+          <p:cNvPr id="4" name="슬라이드 번호 개체 틀 3"/>
+          <p:cNvSpPr>
+            <a:spLocks noGrp="1"/>
+          </p:cNvSpPr>
+          <p:nvPr>
+            <p:ph type="sldNum" sz="quarter" idx="10"/>
+          </p:nvPr>
+        </p:nvSpPr>
+        <p:spPr/>
+        <p:txBody>
+          <a:bodyPr/>
+          <a:lstStyle/>
+          <a:p>
+            <a:fld id="{4CAB7F98-ACBA-41EE-A1EB-E74C3C5FF1EC}" type="slidenum">
+              <a:rPr lang="ko-KR" altLang="en-US" smtClean="0"/>
+              <a:pPr/>
               <a:t>6</a:t>
             </a:fld>
             <a:endParaRPr lang="ko-KR" altLang="en-US"/>
@@ -5022,6 +5419,91 @@
     <p:extLst>
       <p:ext uri="{BB962C8B-B14F-4D97-AF65-F5344CB8AC3E}">
         <p14:creationId xmlns:p14="http://schemas.microsoft.com/office/powerpoint/2010/main" val="903380367"/>
+      </p:ext>
+    </p:extLst>
+  </p:cSld>
+  <p:clrMapOvr>
+    <a:masterClrMapping/>
+  </p:clrMapOvr>
+</p:notes>
+</file>
+
+<file path=ppt/notesSlides/notesSlide4.xml><?xml version="1.0" encoding="utf-8"?>
+<p:notes xmlns:a="http://schemas.openxmlformats.org/drawingml/2006/main" xmlns:r="http://schemas.openxmlformats.org/officeDocument/2006/relationships" xmlns:p="http://schemas.openxmlformats.org/presentationml/2006/main">
+  <p:cSld>
+    <p:spTree>
+      <p:nvGrpSpPr>
+        <p:cNvPr id="1" name=""/>
+        <p:cNvGrpSpPr/>
+        <p:nvPr/>
+      </p:nvGrpSpPr>
+      <p:grpSpPr>
+        <a:xfrm>
+          <a:off x="0" y="0"/>
+          <a:ext cx="0" cy="0"/>
+          <a:chOff x="0" y="0"/>
+          <a:chExt cx="0" cy="0"/>
+        </a:xfrm>
+      </p:grpSpPr>
+      <p:sp>
+        <p:nvSpPr>
+          <p:cNvPr id="2" name="슬라이드 이미지 개체 틀 1"/>
+          <p:cNvSpPr>
+            <a:spLocks noGrp="1" noRot="1" noChangeAspect="1"/>
+          </p:cNvSpPr>
+          <p:nvPr>
+            <p:ph type="sldImg"/>
+          </p:nvPr>
+        </p:nvSpPr>
+        <p:spPr/>
+      </p:sp>
+      <p:sp>
+        <p:nvSpPr>
+          <p:cNvPr id="3" name="슬라이드 노트 개체 틀 2"/>
+          <p:cNvSpPr>
+            <a:spLocks noGrp="1"/>
+          </p:cNvSpPr>
+          <p:nvPr>
+            <p:ph type="body" idx="1"/>
+          </p:nvPr>
+        </p:nvSpPr>
+        <p:spPr/>
+        <p:txBody>
+          <a:bodyPr/>
+          <a:lstStyle/>
+          <a:p>
+            <a:endParaRPr lang="ko-KR" altLang="en-US" dirty="0"/>
+          </a:p>
+        </p:txBody>
+      </p:sp>
+      <p:sp>
+        <p:nvSpPr>
+          <p:cNvPr id="4" name="슬라이드 번호 개체 틀 3"/>
+          <p:cNvSpPr>
+            <a:spLocks noGrp="1"/>
+          </p:cNvSpPr>
+          <p:nvPr>
+            <p:ph type="sldNum" sz="quarter" idx="10"/>
+          </p:nvPr>
+        </p:nvSpPr>
+        <p:spPr/>
+        <p:txBody>
+          <a:bodyPr/>
+          <a:lstStyle/>
+          <a:p>
+            <a:fld id="{4CAB7F98-ACBA-41EE-A1EB-E74C3C5FF1EC}" type="slidenum">
+              <a:rPr lang="ko-KR" altLang="en-US" smtClean="0"/>
+              <a:pPr/>
+              <a:t>12</a:t>
+            </a:fld>
+            <a:endParaRPr lang="ko-KR" altLang="en-US"/>
+          </a:p>
+        </p:txBody>
+      </p:sp>
+    </p:spTree>
+    <p:extLst>
+      <p:ext uri="{BB962C8B-B14F-4D97-AF65-F5344CB8AC3E}">
+        <p14:creationId xmlns:p14="http://schemas.microsoft.com/office/powerpoint/2010/main" val="1544301887"/>
       </p:ext>
     </p:extLst>
   </p:cSld>
@@ -5211,7 +5693,7 @@
             <a:fld id="{C98A5D22-FF4B-49C5-B879-BEC2E267D4F3}" type="datetime1">
               <a:rPr lang="ko-KR" altLang="en-US" smtClean="0"/>
               <a:pPr/>
-              <a:t>2017-11-10</a:t>
+              <a:t>2017-11-15</a:t>
             </a:fld>
             <a:endParaRPr lang="ko-KR" altLang="en-US"/>
           </a:p>
@@ -5388,7 +5870,7 @@
             <a:fld id="{6ACFB382-D675-4C6A-BD4B-3E030621BEF4}" type="datetime1">
               <a:rPr lang="ko-KR" altLang="en-US" smtClean="0"/>
               <a:pPr/>
-              <a:t>2017-11-10</a:t>
+              <a:t>2017-11-15</a:t>
             </a:fld>
             <a:endParaRPr lang="ko-KR" altLang="en-US"/>
           </a:p>
@@ -5568,7 +6050,7 @@
             <a:fld id="{97D08F02-673F-489E-9374-01FDB109D543}" type="datetime1">
               <a:rPr lang="ko-KR" altLang="en-US" smtClean="0"/>
               <a:pPr/>
-              <a:t>2017-11-10</a:t>
+              <a:t>2017-11-15</a:t>
             </a:fld>
             <a:endParaRPr lang="ko-KR" altLang="en-US"/>
           </a:p>
@@ -5802,7 +6284,7 @@
             <a:fld id="{A0F9F261-B6D5-4141-A1D0-304C2138EEEC}" type="datetime1">
               <a:rPr lang="ko-KR" altLang="en-US" smtClean="0"/>
               <a:pPr/>
-              <a:t>2017-11-10</a:t>
+              <a:t>2017-11-15</a:t>
             </a:fld>
             <a:endParaRPr lang="ko-KR" altLang="en-US"/>
           </a:p>
@@ -6025,7 +6507,7 @@
             <a:fld id="{E2A2C326-395A-4E22-BC34-070F63A029B5}" type="datetime1">
               <a:rPr lang="ko-KR" altLang="en-US" smtClean="0"/>
               <a:pPr/>
-              <a:t>2017-11-10</a:t>
+              <a:t>2017-11-15</a:t>
             </a:fld>
             <a:endParaRPr lang="ko-KR" altLang="en-US"/>
           </a:p>
@@ -6312,7 +6794,7 @@
             <a:fld id="{26CB0221-3C6B-4F38-9A6A-615BECF16BD3}" type="datetime1">
               <a:rPr lang="ko-KR" altLang="en-US" smtClean="0"/>
               <a:pPr/>
-              <a:t>2017-11-10</a:t>
+              <a:t>2017-11-15</a:t>
             </a:fld>
             <a:endParaRPr lang="ko-KR" altLang="en-US"/>
           </a:p>
@@ -6733,7 +7215,7 @@
             <a:fld id="{A2085616-7757-4D9C-B5D0-5A4B5DB924AD}" type="datetime1">
               <a:rPr lang="ko-KR" altLang="en-US" smtClean="0"/>
               <a:pPr/>
-              <a:t>2017-11-10</a:t>
+              <a:t>2017-11-15</a:t>
             </a:fld>
             <a:endParaRPr lang="ko-KR" altLang="en-US"/>
           </a:p>
@@ -6852,7 +7334,7 @@
             <a:fld id="{99C94A8A-4633-4AB7-9F78-ED98CB966C2F}" type="datetime1">
               <a:rPr lang="ko-KR" altLang="en-US" smtClean="0"/>
               <a:pPr/>
-              <a:t>2017-11-10</a:t>
+              <a:t>2017-11-15</a:t>
             </a:fld>
             <a:endParaRPr lang="ko-KR" altLang="en-US"/>
           </a:p>
@@ -7045,7 +7527,7 @@
             <a:fld id="{21F2468F-4EB3-422E-8589-013959FB623B}" type="datetime1">
               <a:rPr lang="ko-KR" altLang="en-US" smtClean="0"/>
               <a:pPr/>
-              <a:t>2017-11-10</a:t>
+              <a:t>2017-11-15</a:t>
             </a:fld>
             <a:endParaRPr lang="ko-KR" altLang="en-US"/>
           </a:p>
@@ -7322,7 +7804,7 @@
             <a:fld id="{9BC25C8E-89D4-48BE-AED6-8380C7D027AE}" type="datetime1">
               <a:rPr lang="ko-KR" altLang="en-US" smtClean="0"/>
               <a:pPr/>
-              <a:t>2017-11-10</a:t>
+              <a:t>2017-11-15</a:t>
             </a:fld>
             <a:endParaRPr lang="ko-KR" altLang="en-US"/>
           </a:p>
@@ -7576,7 +8058,7 @@
             <a:fld id="{6E09D07E-F279-419F-8557-7E47E1110DDE}" type="datetime1">
               <a:rPr lang="ko-KR" altLang="en-US" smtClean="0"/>
               <a:pPr/>
-              <a:t>2017-11-10</a:t>
+              <a:t>2017-11-15</a:t>
             </a:fld>
             <a:endParaRPr lang="ko-KR" altLang="en-US"/>
           </a:p>
@@ -7792,7 +8274,7 @@
             <a:fld id="{6637DA7D-4CD9-4BFD-8416-7CC467A75ED5}" type="datetime1">
               <a:rPr lang="ko-KR" altLang="en-US" smtClean="0"/>
               <a:pPr/>
-              <a:t>2017-11-10</a:t>
+              <a:t>2017-11-15</a:t>
             </a:fld>
             <a:endParaRPr lang="ko-KR" altLang="en-US"/>
           </a:p>
@@ -8473,7 +8955,7 @@
             <p:ph idx="1"/>
             <p:extLst>
               <p:ext uri="{D42A27DB-BD31-4B8C-83A1-F6EECF244321}">
-                <p14:modId xmlns:p14="http://schemas.microsoft.com/office/powerpoint/2010/main" val="4268350200"/>
+                <p14:modId xmlns:p14="http://schemas.microsoft.com/office/powerpoint/2010/main" val="962829035"/>
               </p:ext>
             </p:extLst>
           </p:nvPr>
@@ -8855,7 +9337,7 @@
                           <a:latin typeface="HY중고딕" panose="02030600000101010101" pitchFamily="18" charset="-127"/>
                           <a:ea typeface="HY중고딕" panose="02030600000101010101" pitchFamily="18" charset="-127"/>
                         </a:rPr>
-                        <a:t> Angular4 JS</a:t>
+                        <a:t>Angular4 JS</a:t>
                       </a:r>
                       <a:endParaRPr lang="ko-KR" altLang="en-US" sz="2400" dirty="0">
                         <a:solidFill>
@@ -9341,7 +9823,7 @@
           <p:nvPr/>
         </p:nvPicPr>
         <p:blipFill>
-          <a:blip r:embed="rId2">
+          <a:blip r:embed="rId3">
             <a:extLst>
               <a:ext uri="{28A0092B-C50C-407E-A947-70E740481C1C}">
                 <a14:useLocalDpi xmlns:a14="http://schemas.microsoft.com/office/drawing/2010/main" val="0"/>
@@ -9377,7 +9859,7 @@
           <p:nvPr/>
         </p:nvPicPr>
         <p:blipFill>
-          <a:blip r:embed="rId3">
+          <a:blip r:embed="rId4">
             <a:extLst>
               <a:ext uri="{28A0092B-C50C-407E-A947-70E740481C1C}">
                 <a14:useLocalDpi xmlns:a14="http://schemas.microsoft.com/office/drawing/2010/main" val="0"/>
@@ -9515,7 +9997,7 @@
           <p:nvPr/>
         </p:nvPicPr>
         <p:blipFill>
-          <a:blip r:embed="rId4">
+          <a:blip r:embed="rId5">
             <a:extLst>
               <a:ext uri="{28A0092B-C50C-407E-A947-70E740481C1C}">
                 <a14:useLocalDpi xmlns:a14="http://schemas.microsoft.com/office/drawing/2010/main" val="0"/>
@@ -9602,7 +10084,7 @@
           <p:nvPr/>
         </p:nvPicPr>
         <p:blipFill>
-          <a:blip r:embed="rId5">
+          <a:blip r:embed="rId6">
             <a:extLst>
               <a:ext uri="{28A0092B-C50C-407E-A947-70E740481C1C}">
                 <a14:useLocalDpi xmlns:a14="http://schemas.microsoft.com/office/drawing/2010/main" val="0"/>
@@ -9689,7 +10171,7 @@
           <p:nvPr/>
         </p:nvPicPr>
         <p:blipFill>
-          <a:blip r:embed="rId6">
+          <a:blip r:embed="rId7">
             <a:extLst>
               <a:ext uri="{28A0092B-C50C-407E-A947-70E740481C1C}">
                 <a14:useLocalDpi xmlns:a14="http://schemas.microsoft.com/office/drawing/2010/main" val="0"/>
@@ -9784,7 +10266,7 @@
           <p:nvPr/>
         </p:nvPicPr>
         <p:blipFill>
-          <a:blip r:embed="rId7">
+          <a:blip r:embed="rId8">
             <a:extLst>
               <a:ext uri="{28A0092B-C50C-407E-A947-70E740481C1C}">
                 <a14:useLocalDpi xmlns:a14="http://schemas.microsoft.com/office/drawing/2010/main" val="0"/>
@@ -9871,7 +10353,7 @@
           <p:nvPr/>
         </p:nvPicPr>
         <p:blipFill>
-          <a:blip r:embed="rId8">
+          <a:blip r:embed="rId9">
             <a:extLst>
               <a:ext uri="{28A0092B-C50C-407E-A947-70E740481C1C}">
                 <a14:useLocalDpi xmlns:a14="http://schemas.microsoft.com/office/drawing/2010/main" val="0"/>
@@ -10200,8 +10682,8 @@
         </p:blipFill>
         <p:spPr>
           <a:xfrm>
-            <a:off x="0" y="1556792"/>
-            <a:ext cx="9144000" cy="4548187"/>
+            <a:off x="0" y="1420973"/>
+            <a:ext cx="9144000" cy="4600315"/>
           </a:xfrm>
           <a:prstGeom prst="rect">
             <a:avLst/>
@@ -10488,8 +10970,8 @@
         </p:blipFill>
         <p:spPr>
           <a:xfrm>
-            <a:off x="0" y="1628800"/>
-            <a:ext cx="9144000" cy="4695825"/>
+            <a:off x="0" y="1417638"/>
+            <a:ext cx="9144000" cy="4603650"/>
           </a:xfrm>
           <a:prstGeom prst="rect">
             <a:avLst/>
@@ -10726,10 +11208,10 @@
       </p:sp>
       <p:pic>
         <p:nvPicPr>
-          <p:cNvPr id="4" name="그림 3">
+          <p:cNvPr id="5" name="그림 4">
             <a:extLst>
               <a:ext uri="{FF2B5EF4-FFF2-40B4-BE49-F238E27FC236}">
-                <a16:creationId xmlns:a16="http://schemas.microsoft.com/office/drawing/2014/main" id="{0F9D6C2A-5A8D-4754-96AE-9CC55C48CF99}"/>
+                <a16:creationId xmlns:a16="http://schemas.microsoft.com/office/drawing/2014/main" id="{D7197E23-948B-4583-83AE-C9A4BFD12843}"/>
               </a:ext>
             </a:extLst>
           </p:cNvPr>
@@ -10752,8 +11234,8 @@
         </p:blipFill>
         <p:spPr>
           <a:xfrm>
-            <a:off x="0" y="1417638"/>
-            <a:ext cx="9144000" cy="4743450"/>
+            <a:off x="0" y="1417637"/>
+            <a:ext cx="9144000" cy="4819675"/>
           </a:xfrm>
           <a:prstGeom prst="rect">
             <a:avLst/>
@@ -12475,8 +12957,8 @@
         </p:blipFill>
         <p:spPr>
           <a:xfrm>
-            <a:off x="0" y="1628800"/>
-            <a:ext cx="9144000" cy="4305300"/>
+            <a:off x="0" y="1417638"/>
+            <a:ext cx="9144000" cy="4747666"/>
           </a:xfrm>
           <a:prstGeom prst="rect">
             <a:avLst/>
@@ -12854,10 +13336,10 @@
       </p:sp>
       <p:pic>
         <p:nvPicPr>
-          <p:cNvPr id="4" name="그림 3">
+          <p:cNvPr id="5" name="그림 4">
             <a:extLst>
               <a:ext uri="{FF2B5EF4-FFF2-40B4-BE49-F238E27FC236}">
-                <a16:creationId xmlns:a16="http://schemas.microsoft.com/office/drawing/2014/main" id="{C31A7C60-A43E-4D31-BA5A-B090ED4CD99A}"/>
+                <a16:creationId xmlns:a16="http://schemas.microsoft.com/office/drawing/2014/main" id="{EC971554-6C49-4B33-B2C5-1C6C997013A1}"/>
               </a:ext>
             </a:extLst>
           </p:cNvPr>
@@ -12880,8 +13362,8 @@
         </p:blipFill>
         <p:spPr>
           <a:xfrm>
-            <a:off x="0" y="1556792"/>
-            <a:ext cx="9144000" cy="4691063"/>
+            <a:off x="1" y="1350668"/>
+            <a:ext cx="9143999" cy="4680000"/>
           </a:xfrm>
           <a:prstGeom prst="rect">
             <a:avLst/>
@@ -12995,10 +13477,10 @@
       </p:sp>
       <p:pic>
         <p:nvPicPr>
-          <p:cNvPr id="5" name="그림 4">
+          <p:cNvPr id="4" name="그림 3">
             <a:extLst>
               <a:ext uri="{FF2B5EF4-FFF2-40B4-BE49-F238E27FC236}">
-                <a16:creationId xmlns:a16="http://schemas.microsoft.com/office/drawing/2014/main" id="{4F17BC9B-0074-4D1D-AC33-ABB7C055228C}"/>
+                <a16:creationId xmlns:a16="http://schemas.microsoft.com/office/drawing/2014/main" id="{F3C6F629-ACB4-4A4B-9F6E-4E24123E6283}"/>
               </a:ext>
             </a:extLst>
           </p:cNvPr>
@@ -13022,7 +13504,7 @@
         <p:spPr>
           <a:xfrm>
             <a:off x="0" y="1417638"/>
-            <a:ext cx="9144000" cy="4733925"/>
+            <a:ext cx="9144000" cy="4554393"/>
           </a:xfrm>
           <a:prstGeom prst="rect">
             <a:avLst/>
@@ -13620,13 +14102,13 @@
             <p:ph idx="1"/>
             <p:extLst>
               <p:ext uri="{D42A27DB-BD31-4B8C-83A1-F6EECF244321}">
-                <p14:modId xmlns:p14="http://schemas.microsoft.com/office/powerpoint/2010/main" val="4094197894"/>
+                <p14:modId xmlns:p14="http://schemas.microsoft.com/office/powerpoint/2010/main" val="302066401"/>
               </p:ext>
             </p:extLst>
           </p:nvPr>
         </p:nvGraphicFramePr>
         <p:xfrm>
-          <a:off x="-684584" y="1556792"/>
+          <a:off x="-741333" y="1612967"/>
           <a:ext cx="9433048" cy="4969768"/>
         </p:xfrm>
         <a:graphic>
@@ -13635,6 +14117,54 @@
           </a:graphicData>
         </a:graphic>
       </p:graphicFrame>
+      <p:pic>
+        <p:nvPicPr>
+          <p:cNvPr id="4" name="그림 3">
+            <a:extLst>
+              <a:ext uri="{FF2B5EF4-FFF2-40B4-BE49-F238E27FC236}">
+                <a16:creationId xmlns:a16="http://schemas.microsoft.com/office/drawing/2014/main" id="{21F36271-4A61-4325-8492-877AC85D6C31}"/>
+              </a:ext>
+            </a:extLst>
+          </p:cNvPr>
+          <p:cNvPicPr>
+            <a:picLocks noChangeAspect="1"/>
+          </p:cNvPicPr>
+          <p:nvPr/>
+        </p:nvPicPr>
+        <p:blipFill>
+          <a:blip r:embed="rId8">
+            <a:extLst>
+              <a:ext uri="{BEBA8EAE-BF5A-486C-A8C5-ECC9F3942E4B}">
+                <a14:imgProps xmlns:a14="http://schemas.microsoft.com/office/drawing/2010/main">
+                  <a14:imgLayer r:embed="rId9">
+                    <a14:imgEffect>
+                      <a14:backgroundRemoval t="9884" b="89535" l="4437" r="89420">
+                        <a14:foregroundMark x1="8532" y1="53488" x2="8532" y2="53488"/>
+                        <a14:foregroundMark x1="4437" y1="67442" x2="4437" y2="67442"/>
+                      </a14:backgroundRemoval>
+                    </a14:imgEffect>
+                  </a14:imgLayer>
+                </a14:imgProps>
+              </a:ext>
+              <a:ext uri="{28A0092B-C50C-407E-A947-70E740481C1C}">
+                <a14:useLocalDpi xmlns:a14="http://schemas.microsoft.com/office/drawing/2010/main" val="0"/>
+              </a:ext>
+            </a:extLst>
+          </a:blip>
+          <a:stretch>
+            <a:fillRect/>
+          </a:stretch>
+        </p:blipFill>
+        <p:spPr>
+          <a:xfrm>
+            <a:off x="251520" y="3212976"/>
+            <a:ext cx="2545495" cy="1494284"/>
+          </a:xfrm>
+          <a:prstGeom prst="rect">
+            <a:avLst/>
+          </a:prstGeom>
+        </p:spPr>
+      </p:pic>
     </p:spTree>
     <p:extLst>
       <p:ext uri="{BB962C8B-B14F-4D97-AF65-F5344CB8AC3E}">
@@ -13765,7 +14295,7 @@
             <p:ph idx="1"/>
             <p:extLst>
               <p:ext uri="{D42A27DB-BD31-4B8C-83A1-F6EECF244321}">
-                <p14:modId xmlns:p14="http://schemas.microsoft.com/office/powerpoint/2010/main" val="3248464335"/>
+                <p14:modId xmlns:p14="http://schemas.microsoft.com/office/powerpoint/2010/main" val="2212017874"/>
               </p:ext>
             </p:extLst>
           </p:nvPr>
@@ -14619,7 +15149,7 @@
                           <a:latin typeface="HY중고딕" panose="02030600000101010101" pitchFamily="18" charset="-127"/>
                           <a:ea typeface="HY중고딕" panose="02030600000101010101" pitchFamily="18" charset="-127"/>
                         </a:rPr>
-                        <a:t>관리자</a:t>
+                        <a:t>사업자</a:t>
                       </a:r>
                     </a:p>
                   </a:txBody>
@@ -14691,7 +15221,7 @@
                           <a:latin typeface="HY중고딕" panose="02030600000101010101" pitchFamily="18" charset="-127"/>
                           <a:ea typeface="HY중고딕" panose="02030600000101010101" pitchFamily="18" charset="-127"/>
                         </a:rPr>
-                        <a:t>축제 정보</a:t>
+                        <a:t>축제 정보 확인</a:t>
                       </a:r>
                       <a:r>
                         <a:rPr lang="en-US" altLang="ko-KR" sz="2000" dirty="0">
@@ -14848,16 +15378,35 @@
                     <a:bodyPr/>
                     <a:lstStyle/>
                     <a:p>
-                      <a:pPr algn="ctr" latinLnBrk="1"/>
-                      <a:endParaRPr lang="ko-KR" altLang="en-US" sz="2000" b="0" dirty="0">
-                        <a:solidFill>
-                          <a:schemeClr val="accent6">
-                            <a:lumMod val="75000"/>
-                          </a:schemeClr>
-                        </a:solidFill>
-                        <a:latin typeface="HY중고딕" panose="02030600000101010101" pitchFamily="18" charset="-127"/>
-                        <a:ea typeface="HY중고딕" panose="02030600000101010101" pitchFamily="18" charset="-127"/>
-                      </a:endParaRPr>
+                      <a:pPr marL="0" marR="0" lvl="0" indent="0" algn="ctr" defTabSz="914400" rtl="0" eaLnBrk="1" fontAlgn="auto" latinLnBrk="1" hangingPunct="1">
+                        <a:lnSpc>
+                          <a:spcPct val="100000"/>
+                        </a:lnSpc>
+                        <a:spcBef>
+                          <a:spcPts val="0"/>
+                        </a:spcBef>
+                        <a:spcAft>
+                          <a:spcPts val="0"/>
+                        </a:spcAft>
+                        <a:buClrTx/>
+                        <a:buSzTx/>
+                        <a:buFontTx/>
+                        <a:buNone/>
+                        <a:tabLst/>
+                        <a:defRPr/>
+                      </a:pPr>
+                      <a:r>
+                        <a:rPr lang="ko-KR" altLang="en-US" sz="2000" b="0" dirty="0">
+                          <a:solidFill>
+                            <a:schemeClr val="accent6">
+                              <a:lumMod val="75000"/>
+                            </a:schemeClr>
+                          </a:solidFill>
+                          <a:latin typeface="HY중고딕" panose="02030600000101010101" pitchFamily="18" charset="-127"/>
+                          <a:ea typeface="HY중고딕" panose="02030600000101010101" pitchFamily="18" charset="-127"/>
+                        </a:rPr>
+                        <a:t>관리자</a:t>
+                      </a:r>
                     </a:p>
                   </a:txBody>
                   <a:tcPr anchor="ctr">
@@ -14954,6 +15503,30 @@
                         </a:rPr>
                         <a:t>사업자정보 관리</a:t>
                       </a:r>
+                      <a:r>
+                        <a:rPr lang="en-US" altLang="ko-KR" sz="2000" dirty="0">
+                          <a:solidFill>
+                            <a:schemeClr val="bg1">
+                              <a:lumMod val="65000"/>
+                            </a:schemeClr>
+                          </a:solidFill>
+                          <a:latin typeface="HY중고딕" panose="02030600000101010101" pitchFamily="18" charset="-127"/>
+                          <a:ea typeface="HY중고딕" panose="02030600000101010101" pitchFamily="18" charset="-127"/>
+                        </a:rPr>
+                        <a:t>, </a:t>
+                      </a:r>
+                      <a:r>
+                        <a:rPr lang="ko-KR" altLang="en-US" sz="2000" dirty="0">
+                          <a:solidFill>
+                            <a:schemeClr val="bg1">
+                              <a:lumMod val="65000"/>
+                            </a:schemeClr>
+                          </a:solidFill>
+                          <a:latin typeface="HY중고딕" panose="02030600000101010101" pitchFamily="18" charset="-127"/>
+                          <a:ea typeface="HY중고딕" panose="02030600000101010101" pitchFamily="18" charset="-127"/>
+                        </a:rPr>
+                        <a:t>축제정보 관리</a:t>
+                      </a:r>
                     </a:p>
                   </a:txBody>
                   <a:tcPr anchor="ctr">
@@ -15077,90 +15650,15 @@
                     <a:lstStyle/>
                     <a:p>
                       <a:pPr algn="ctr" latinLnBrk="1"/>
-                      <a:r>
-                        <a:rPr lang="en-US" altLang="ko-KR" sz="2400" dirty="0">
-                          <a:solidFill>
-                            <a:schemeClr val="bg1">
-                              <a:lumMod val="65000"/>
-                            </a:schemeClr>
-                          </a:solidFill>
-                          <a:latin typeface="HY중고딕" panose="02030600000101010101" pitchFamily="18" charset="-127"/>
-                          <a:ea typeface="HY중고딕" panose="02030600000101010101" pitchFamily="18" charset="-127"/>
-                        </a:rPr>
-                        <a:t> </a:t>
-                      </a:r>
-                      <a:r>
-                        <a:rPr lang="ko-KR" altLang="en-US" sz="2400" dirty="0">
-                          <a:solidFill>
-                            <a:schemeClr val="bg1">
-                              <a:lumMod val="65000"/>
-                            </a:schemeClr>
-                          </a:solidFill>
-                          <a:latin typeface="HY중고딕" panose="02030600000101010101" pitchFamily="18" charset="-127"/>
-                          <a:ea typeface="HY중고딕" panose="02030600000101010101" pitchFamily="18" charset="-127"/>
-                        </a:rPr>
-                        <a:t> </a:t>
-                      </a:r>
-                      <a:r>
-                        <a:rPr lang="ko-KR" altLang="en-US" sz="2800" b="0" dirty="0">
-                          <a:solidFill>
-                            <a:schemeClr val="accent6">
-                              <a:lumMod val="75000"/>
-                            </a:schemeClr>
-                          </a:solidFill>
-                          <a:latin typeface="HY중고딕" panose="02030600000101010101" pitchFamily="18" charset="-127"/>
-                          <a:ea typeface="HY중고딕" panose="02030600000101010101" pitchFamily="18" charset="-127"/>
-                        </a:rPr>
-                        <a:t>사</a:t>
-                      </a:r>
-                      <a:r>
-                        <a:rPr lang="ko-KR" altLang="en-US" sz="2400" b="0" dirty="0">
-                          <a:solidFill>
-                            <a:schemeClr val="bg1">
-                              <a:lumMod val="65000"/>
-                            </a:schemeClr>
-                          </a:solidFill>
-                          <a:latin typeface="HY중고딕" panose="02030600000101010101" pitchFamily="18" charset="-127"/>
-                          <a:ea typeface="HY중고딕" panose="02030600000101010101" pitchFamily="18" charset="-127"/>
-                        </a:rPr>
-                        <a:t>용자 편의 제공 </a:t>
-                      </a:r>
-                      <a:r>
-                        <a:rPr lang="en-US" altLang="ko-KR" sz="2400" b="0" dirty="0">
-                          <a:solidFill>
-                            <a:schemeClr val="bg1">
-                              <a:lumMod val="65000"/>
-                            </a:schemeClr>
-                          </a:solidFill>
-                          <a:latin typeface="HY중고딕" panose="02030600000101010101" pitchFamily="18" charset="-127"/>
-                          <a:ea typeface="HY중고딕" panose="02030600000101010101" pitchFamily="18" charset="-127"/>
-                        </a:rPr>
-                        <a:t>&amp; </a:t>
-                      </a:r>
-                      <a:r>
-                        <a:rPr lang="ko-KR" altLang="en-US" sz="2800" b="0" dirty="0">
-                          <a:solidFill>
-                            <a:schemeClr val="accent6">
-                              <a:lumMod val="75000"/>
-                            </a:schemeClr>
-                          </a:solidFill>
-                          <a:latin typeface="HY중고딕" panose="02030600000101010101" pitchFamily="18" charset="-127"/>
-                          <a:ea typeface="HY중고딕" panose="02030600000101010101" pitchFamily="18" charset="-127"/>
-                        </a:rPr>
-                        <a:t>관</a:t>
-                      </a:r>
-                      <a:r>
-                        <a:rPr lang="ko-KR" altLang="en-US" sz="2400" b="0" dirty="0">
-                          <a:solidFill>
-                            <a:schemeClr val="bg1">
-                              <a:lumMod val="65000"/>
-                            </a:schemeClr>
-                          </a:solidFill>
-                          <a:latin typeface="HY중고딕" panose="02030600000101010101" pitchFamily="18" charset="-127"/>
-                          <a:ea typeface="HY중고딕" panose="02030600000101010101" pitchFamily="18" charset="-127"/>
-                        </a:rPr>
-                        <a:t>리자 효율적인 재고 관리 </a:t>
-                      </a:r>
+                      <a:endParaRPr lang="ko-KR" altLang="en-US" sz="2400" b="0" dirty="0">
+                        <a:solidFill>
+                          <a:schemeClr val="bg1">
+                            <a:lumMod val="65000"/>
+                          </a:schemeClr>
+                        </a:solidFill>
+                        <a:latin typeface="HY중고딕" panose="02030600000101010101" pitchFamily="18" charset="-127"/>
+                        <a:ea typeface="HY중고딕" panose="02030600000101010101" pitchFamily="18" charset="-127"/>
+                      </a:endParaRPr>
                     </a:p>
                   </a:txBody>
                   <a:tcPr anchor="ctr">
@@ -15367,46 +15865,23 @@
           </a:p>
         </p:txBody>
       </p:sp>
-      <p:sp>
-        <p:nvSpPr>
-          <p:cNvPr id="4" name="내용 개체 틀 3">
+      <p:pic>
+        <p:nvPicPr>
+          <p:cNvPr id="5" name="내용 개체 틀 4">
             <a:extLst>
               <a:ext uri="{FF2B5EF4-FFF2-40B4-BE49-F238E27FC236}">
-                <a16:creationId xmlns:a16="http://schemas.microsoft.com/office/drawing/2014/main" id="{251FA7BA-AFFF-4DDF-8739-B0D709BA771E}"/>
-              </a:ext>
-            </a:extLst>
-          </p:cNvPr>
-          <p:cNvSpPr>
-            <a:spLocks noGrp="1"/>
-          </p:cNvSpPr>
-          <p:nvPr>
-            <p:ph idx="1"/>
-          </p:nvPr>
-        </p:nvSpPr>
-        <p:spPr/>
-        <p:txBody>
-          <a:bodyPr/>
-          <a:lstStyle/>
-          <a:p>
-            <a:endParaRPr lang="ko-KR" altLang="en-US"/>
-          </a:p>
-        </p:txBody>
-      </p:sp>
-      <p:pic>
-        <p:nvPicPr>
-          <p:cNvPr id="1028" name="Picture 4" descr="angular spring mvc에 대한 이미지 검색결과">
-            <a:extLst>
-              <a:ext uri="{FF2B5EF4-FFF2-40B4-BE49-F238E27FC236}">
-                <a16:creationId xmlns:a16="http://schemas.microsoft.com/office/drawing/2014/main" id="{D949E528-7A7C-48D8-8769-3798ABAD6CD0}"/>
+                <a16:creationId xmlns:a16="http://schemas.microsoft.com/office/drawing/2014/main" id="{92D63175-92AE-4926-B1DE-F581B5EB3687}"/>
               </a:ext>
             </a:extLst>
           </p:cNvPr>
           <p:cNvPicPr>
-            <a:picLocks noChangeAspect="1" noChangeArrowheads="1"/>
+            <a:picLocks noGrp="1" noChangeAspect="1"/>
           </p:cNvPicPr>
-          <p:nvPr/>
+          <p:nvPr>
+            <p:ph idx="1"/>
+          </p:nvPr>
         </p:nvPicPr>
-        <p:blipFill rotWithShape="1">
+        <p:blipFill>
           <a:blip r:embed="rId3">
             <a:extLst>
               <a:ext uri="{28A0092B-C50C-407E-A947-70E740481C1C}">
@@ -15414,27 +15889,15 @@
               </a:ext>
             </a:extLst>
           </a:blip>
-          <a:srcRect/>
-          <a:stretch/>
+          <a:stretch>
+            <a:fillRect/>
+          </a:stretch>
         </p:blipFill>
-        <p:spPr bwMode="auto">
+        <p:spPr>
           <a:xfrm>
-            <a:off x="0" y="1772816"/>
-            <a:ext cx="9144000" cy="3825875"/>
+            <a:off x="13128" y="1916833"/>
+            <a:ext cx="9130872" cy="3312368"/>
           </a:xfrm>
-          <a:prstGeom prst="rect">
-            <a:avLst/>
-          </a:prstGeom>
-          <a:noFill/>
-          <a:extLst>
-            <a:ext uri="{909E8E84-426E-40DD-AFC4-6F175D3DCCD1}">
-              <a14:hiddenFill xmlns:a14="http://schemas.microsoft.com/office/drawing/2010/main">
-                <a:solidFill>
-                  <a:srgbClr val="FFFFFF"/>
-                </a:solidFill>
-              </a14:hiddenFill>
-            </a:ext>
-          </a:extLst>
         </p:spPr>
       </p:pic>
     </p:spTree>
